--- a/파이썬기초(PPT)/NEW_2021버전/파이썬 기초 3강_자료형과 변수.pptx
+++ b/파이썬기초(PPT)/NEW_2021버전/파이썬 기초 3강_자료형과 변수.pptx
@@ -476,7 +476,7 @@
           <a:p>
             <a:fld id="{FB30EDBD-1C2D-4C1E-B459-B60219FAB484}" type="datetimeFigureOut">
               <a:rPr lang="ko-KR" altLang="en-US" smtClean="0"/>
-              <a:t>2021-02-19</a:t>
+              <a:t>2021-02-21</a:t>
             </a:fld>
             <a:endParaRPr lang="ko-KR" altLang="en-US"/>
           </a:p>
@@ -639,7 +639,7 @@
           <a:p>
             <a:fld id="{FB30EDBD-1C2D-4C1E-B459-B60219FAB484}" type="datetimeFigureOut">
               <a:rPr lang="ko-KR" altLang="en-US" smtClean="0"/>
-              <a:t>2021-02-19</a:t>
+              <a:t>2021-02-21</a:t>
             </a:fld>
             <a:endParaRPr lang="ko-KR" altLang="en-US"/>
           </a:p>
@@ -812,7 +812,7 @@
           <a:p>
             <a:fld id="{FB30EDBD-1C2D-4C1E-B459-B60219FAB484}" type="datetimeFigureOut">
               <a:rPr lang="ko-KR" altLang="en-US" smtClean="0"/>
-              <a:t>2021-02-19</a:t>
+              <a:t>2021-02-21</a:t>
             </a:fld>
             <a:endParaRPr lang="ko-KR" altLang="en-US"/>
           </a:p>
@@ -975,7 +975,7 @@
           <a:p>
             <a:fld id="{FB30EDBD-1C2D-4C1E-B459-B60219FAB484}" type="datetimeFigureOut">
               <a:rPr lang="ko-KR" altLang="en-US" smtClean="0"/>
-              <a:t>2021-02-19</a:t>
+              <a:t>2021-02-21</a:t>
             </a:fld>
             <a:endParaRPr lang="ko-KR" altLang="en-US"/>
           </a:p>
@@ -1215,7 +1215,7 @@
           <a:p>
             <a:fld id="{FB30EDBD-1C2D-4C1E-B459-B60219FAB484}" type="datetimeFigureOut">
               <a:rPr lang="ko-KR" altLang="en-US" smtClean="0"/>
-              <a:t>2021-02-19</a:t>
+              <a:t>2021-02-21</a:t>
             </a:fld>
             <a:endParaRPr lang="ko-KR" altLang="en-US"/>
           </a:p>
@@ -1495,7 +1495,7 @@
           <a:p>
             <a:fld id="{FB30EDBD-1C2D-4C1E-B459-B60219FAB484}" type="datetimeFigureOut">
               <a:rPr lang="ko-KR" altLang="en-US" smtClean="0"/>
-              <a:t>2021-02-19</a:t>
+              <a:t>2021-02-21</a:t>
             </a:fld>
             <a:endParaRPr lang="ko-KR" altLang="en-US"/>
           </a:p>
@@ -1909,7 +1909,7 @@
           <a:p>
             <a:fld id="{FB30EDBD-1C2D-4C1E-B459-B60219FAB484}" type="datetimeFigureOut">
               <a:rPr lang="ko-KR" altLang="en-US" smtClean="0"/>
-              <a:t>2021-02-19</a:t>
+              <a:t>2021-02-21</a:t>
             </a:fld>
             <a:endParaRPr lang="ko-KR" altLang="en-US"/>
           </a:p>
@@ -2021,7 +2021,7 @@
           <a:p>
             <a:fld id="{FB30EDBD-1C2D-4C1E-B459-B60219FAB484}" type="datetimeFigureOut">
               <a:rPr lang="ko-KR" altLang="en-US" smtClean="0"/>
-              <a:t>2021-02-19</a:t>
+              <a:t>2021-02-21</a:t>
             </a:fld>
             <a:endParaRPr lang="ko-KR" altLang="en-US"/>
           </a:p>
@@ -2111,7 +2111,7 @@
           <a:p>
             <a:fld id="{FB30EDBD-1C2D-4C1E-B459-B60219FAB484}" type="datetimeFigureOut">
               <a:rPr lang="ko-KR" altLang="en-US" smtClean="0"/>
-              <a:t>2021-02-19</a:t>
+              <a:t>2021-02-21</a:t>
             </a:fld>
             <a:endParaRPr lang="ko-KR" altLang="en-US"/>
           </a:p>
@@ -2381,7 +2381,7 @@
           <a:p>
             <a:fld id="{FB30EDBD-1C2D-4C1E-B459-B60219FAB484}" type="datetimeFigureOut">
               <a:rPr lang="ko-KR" altLang="en-US" smtClean="0"/>
-              <a:t>2021-02-19</a:t>
+              <a:t>2021-02-21</a:t>
             </a:fld>
             <a:endParaRPr lang="ko-KR" altLang="en-US"/>
           </a:p>
@@ -2628,7 +2628,7 @@
           <a:p>
             <a:fld id="{FB30EDBD-1C2D-4C1E-B459-B60219FAB484}" type="datetimeFigureOut">
               <a:rPr lang="ko-KR" altLang="en-US" smtClean="0"/>
-              <a:t>2021-02-19</a:t>
+              <a:t>2021-02-21</a:t>
             </a:fld>
             <a:endParaRPr lang="ko-KR" altLang="en-US"/>
           </a:p>
@@ -2834,7 +2834,7 @@
           <a:p>
             <a:fld id="{FB30EDBD-1C2D-4C1E-B459-B60219FAB484}" type="datetimeFigureOut">
               <a:rPr lang="ko-KR" altLang="en-US" smtClean="0"/>
-              <a:t>2021-02-19</a:t>
+              <a:t>2021-02-21</a:t>
             </a:fld>
             <a:endParaRPr lang="ko-KR" altLang="en-US"/>
           </a:p>

--- a/파이썬기초(PPT)/NEW_2021버전/파이썬 기초 3강_자료형과 변수.pptx
+++ b/파이썬기초(PPT)/NEW_2021버전/파이썬 기초 3강_자료형과 변수.pptx
@@ -476,7 +476,7 @@
           <a:p>
             <a:fld id="{FB30EDBD-1C2D-4C1E-B459-B60219FAB484}" type="datetimeFigureOut">
               <a:rPr lang="ko-KR" altLang="en-US" smtClean="0"/>
-              <a:t>2021-02-21</a:t>
+              <a:t>2021-07-15</a:t>
             </a:fld>
             <a:endParaRPr lang="ko-KR" altLang="en-US"/>
           </a:p>
@@ -639,7 +639,7 @@
           <a:p>
             <a:fld id="{FB30EDBD-1C2D-4C1E-B459-B60219FAB484}" type="datetimeFigureOut">
               <a:rPr lang="ko-KR" altLang="en-US" smtClean="0"/>
-              <a:t>2021-02-21</a:t>
+              <a:t>2021-07-15</a:t>
             </a:fld>
             <a:endParaRPr lang="ko-KR" altLang="en-US"/>
           </a:p>
@@ -812,7 +812,7 @@
           <a:p>
             <a:fld id="{FB30EDBD-1C2D-4C1E-B459-B60219FAB484}" type="datetimeFigureOut">
               <a:rPr lang="ko-KR" altLang="en-US" smtClean="0"/>
-              <a:t>2021-02-21</a:t>
+              <a:t>2021-07-15</a:t>
             </a:fld>
             <a:endParaRPr lang="ko-KR" altLang="en-US"/>
           </a:p>
@@ -975,7 +975,7 @@
           <a:p>
             <a:fld id="{FB30EDBD-1C2D-4C1E-B459-B60219FAB484}" type="datetimeFigureOut">
               <a:rPr lang="ko-KR" altLang="en-US" smtClean="0"/>
-              <a:t>2021-02-21</a:t>
+              <a:t>2021-07-15</a:t>
             </a:fld>
             <a:endParaRPr lang="ko-KR" altLang="en-US"/>
           </a:p>
@@ -1215,7 +1215,7 @@
           <a:p>
             <a:fld id="{FB30EDBD-1C2D-4C1E-B459-B60219FAB484}" type="datetimeFigureOut">
               <a:rPr lang="ko-KR" altLang="en-US" smtClean="0"/>
-              <a:t>2021-02-21</a:t>
+              <a:t>2021-07-15</a:t>
             </a:fld>
             <a:endParaRPr lang="ko-KR" altLang="en-US"/>
           </a:p>
@@ -1495,7 +1495,7 @@
           <a:p>
             <a:fld id="{FB30EDBD-1C2D-4C1E-B459-B60219FAB484}" type="datetimeFigureOut">
               <a:rPr lang="ko-KR" altLang="en-US" smtClean="0"/>
-              <a:t>2021-02-21</a:t>
+              <a:t>2021-07-15</a:t>
             </a:fld>
             <a:endParaRPr lang="ko-KR" altLang="en-US"/>
           </a:p>
@@ -1909,7 +1909,7 @@
           <a:p>
             <a:fld id="{FB30EDBD-1C2D-4C1E-B459-B60219FAB484}" type="datetimeFigureOut">
               <a:rPr lang="ko-KR" altLang="en-US" smtClean="0"/>
-              <a:t>2021-02-21</a:t>
+              <a:t>2021-07-15</a:t>
             </a:fld>
             <a:endParaRPr lang="ko-KR" altLang="en-US"/>
           </a:p>
@@ -2021,7 +2021,7 @@
           <a:p>
             <a:fld id="{FB30EDBD-1C2D-4C1E-B459-B60219FAB484}" type="datetimeFigureOut">
               <a:rPr lang="ko-KR" altLang="en-US" smtClean="0"/>
-              <a:t>2021-02-21</a:t>
+              <a:t>2021-07-15</a:t>
             </a:fld>
             <a:endParaRPr lang="ko-KR" altLang="en-US"/>
           </a:p>
@@ -2111,7 +2111,7 @@
           <a:p>
             <a:fld id="{FB30EDBD-1C2D-4C1E-B459-B60219FAB484}" type="datetimeFigureOut">
               <a:rPr lang="ko-KR" altLang="en-US" smtClean="0"/>
-              <a:t>2021-02-21</a:t>
+              <a:t>2021-07-15</a:t>
             </a:fld>
             <a:endParaRPr lang="ko-KR" altLang="en-US"/>
           </a:p>
@@ -2381,7 +2381,7 @@
           <a:p>
             <a:fld id="{FB30EDBD-1C2D-4C1E-B459-B60219FAB484}" type="datetimeFigureOut">
               <a:rPr lang="ko-KR" altLang="en-US" smtClean="0"/>
-              <a:t>2021-02-21</a:t>
+              <a:t>2021-07-15</a:t>
             </a:fld>
             <a:endParaRPr lang="ko-KR" altLang="en-US"/>
           </a:p>
@@ -2628,7 +2628,7 @@
           <a:p>
             <a:fld id="{FB30EDBD-1C2D-4C1E-B459-B60219FAB484}" type="datetimeFigureOut">
               <a:rPr lang="ko-KR" altLang="en-US" smtClean="0"/>
-              <a:t>2021-02-21</a:t>
+              <a:t>2021-07-15</a:t>
             </a:fld>
             <a:endParaRPr lang="ko-KR" altLang="en-US"/>
           </a:p>
@@ -2834,7 +2834,7 @@
           <a:p>
             <a:fld id="{FB30EDBD-1C2D-4C1E-B459-B60219FAB484}" type="datetimeFigureOut">
               <a:rPr lang="ko-KR" altLang="en-US" smtClean="0"/>
-              <a:t>2021-02-21</a:t>
+              <a:t>2021-07-15</a:t>
             </a:fld>
             <a:endParaRPr lang="ko-KR" altLang="en-US"/>
           </a:p>
@@ -5810,7 +5810,7 @@
         </p:nvSpPr>
         <p:spPr>
           <a:xfrm>
-            <a:off x="7176120" y="2132619"/>
+            <a:off x="5663952" y="2132619"/>
             <a:ext cx="4225387" cy="2592761"/>
           </a:xfrm>
           <a:prstGeom prst="rect">
